--- a/overview.pptx
+++ b/overview.pptx
@@ -104,6 +104,11 @@
       </a:defRPr>
     </a:lvl9pPr>
   </p:defaultTextStyle>
+  <p:extLst>
+    <p:ext uri="{EFAFB233-063F-42B5-8137-9DF3F51BA10A}">
+      <p15:sldGuideLst xmlns:p15="http://schemas.microsoft.com/office/powerpoint/2012/main"/>
+    </p:ext>
+  </p:extLst>
 </p:presentation>
 </file>
 
@@ -3530,6 +3535,11 @@
           <a:prstGeom prst="rect">
             <a:avLst/>
           </a:prstGeom>
+          <a:solidFill>
+            <a:schemeClr val="tx2">
+              <a:lumMod val="75000"/>
+            </a:schemeClr>
+          </a:solidFill>
         </p:spPr>
         <p:style>
           <a:lnRef idx="2">
@@ -3553,8 +3563,15 @@
           <a:p>
             <a:pPr algn="ctr"/>
             <a:r>
+              <a:rPr lang="en-US" b="1" dirty="0"/>
+              <a:t>Unsupervised: </a:t>
+            </a:r>
+            <a:br>
               <a:rPr lang="en-US" dirty="0"/>
-              <a:t>Unsupervised: PCA, t-SNE, etc.</a:t>
+            </a:br>
+            <a:r>
+              <a:rPr lang="en-US" dirty="0"/>
+              <a:t>PCA, t-SNE, etc.</a:t>
             </a:r>
           </a:p>
         </p:txBody>
@@ -3579,6 +3596,11 @@
           <a:prstGeom prst="rect">
             <a:avLst/>
           </a:prstGeom>
+          <a:solidFill>
+            <a:schemeClr val="tx2">
+              <a:lumMod val="75000"/>
+            </a:schemeClr>
+          </a:solidFill>
         </p:spPr>
         <p:style>
           <a:lnRef idx="2">
@@ -3602,7 +3624,7 @@
           <a:p>
             <a:pPr algn="ctr"/>
             <a:r>
-              <a:rPr lang="en-US" dirty="0"/>
+              <a:rPr lang="en-US" b="1" dirty="0"/>
               <a:t>Supervised</a:t>
             </a:r>
             <a:br>
@@ -3671,8 +3693,8 @@
         </p:nvSpPr>
         <p:spPr>
           <a:xfrm>
-            <a:off x="7896022" y="2829798"/>
-            <a:ext cx="1220284" cy="646331"/>
+            <a:off x="7359730" y="2959293"/>
+            <a:ext cx="2622936" cy="369332"/>
           </a:xfrm>
           <a:prstGeom prst="rect">
             <a:avLst/>
@@ -3687,14 +3709,7 @@
           <a:p>
             <a:r>
               <a:rPr lang="en-US" dirty="0"/>
-              <a:t>Important </a:t>
-            </a:r>
-            <a:br>
-              <a:rPr lang="en-US" dirty="0"/>
-            </a:br>
-            <a:r>
-              <a:rPr lang="en-US" dirty="0"/>
-              <a:t>Features</a:t>
+              <a:t>Filter Important  Features</a:t>
             </a:r>
           </a:p>
         </p:txBody>
@@ -3815,13 +3830,14 @@
           <p:cNvCxnSpPr>
             <a:cxnSpLocks/>
             <a:stCxn id="21" idx="3"/>
+            <a:endCxn id="6" idx="1"/>
           </p:cNvCxnSpPr>
           <p:nvPr/>
         </p:nvCxnSpPr>
         <p:spPr>
           <a:xfrm flipV="1">
-            <a:off x="4802910" y="1366982"/>
-            <a:ext cx="2697480" cy="2639554"/>
+            <a:off x="4802910" y="2442095"/>
+            <a:ext cx="2715952" cy="1564441"/>
           </a:xfrm>
           <a:prstGeom prst="straightConnector1">
             <a:avLst/>
@@ -3999,7 +4015,7 @@
         </p:nvSpPr>
         <p:spPr>
           <a:xfrm>
-            <a:off x="3290920" y="3089169"/>
+            <a:off x="3336640" y="3046953"/>
             <a:ext cx="2253672" cy="369332"/>
           </a:xfrm>
           <a:prstGeom prst="rect">
@@ -4336,6 +4352,67 @@
             <a:r>
               <a:rPr lang="en-US" sz="2800" dirty="0"/>
               <a:t>Conclusions</a:t>
+            </a:r>
+          </a:p>
+        </p:txBody>
+      </p:sp>
+      <p:sp>
+        <p:nvSpPr>
+          <p:cNvPr id="25" name="Rectangle 24">
+            <a:extLst>
+              <a:ext uri="{FF2B5EF4-FFF2-40B4-BE49-F238E27FC236}">
+                <a16:creationId xmlns:a16="http://schemas.microsoft.com/office/drawing/2014/main" id="{8DE4172B-8D86-48F3-B4E4-74074D165F58}"/>
+              </a:ext>
+            </a:extLst>
+          </p:cNvPr>
+          <p:cNvSpPr/>
+          <p:nvPr/>
+        </p:nvSpPr>
+        <p:spPr>
+          <a:xfrm rot="19778507">
+            <a:off x="5102875" y="2630401"/>
+            <a:ext cx="2179535" cy="507306"/>
+          </a:xfrm>
+          <a:prstGeom prst="rect">
+            <a:avLst/>
+          </a:prstGeom>
+          <a:solidFill>
+            <a:schemeClr val="tx2">
+              <a:lumMod val="75000"/>
+            </a:schemeClr>
+          </a:solidFill>
+        </p:spPr>
+        <p:style>
+          <a:lnRef idx="2">
+            <a:schemeClr val="accent2">
+              <a:shade val="50000"/>
+            </a:schemeClr>
+          </a:lnRef>
+          <a:fillRef idx="1">
+            <a:schemeClr val="accent2"/>
+          </a:fillRef>
+          <a:effectRef idx="0">
+            <a:schemeClr val="accent2"/>
+          </a:effectRef>
+          <a:fontRef idx="minor">
+            <a:schemeClr val="lt1"/>
+          </a:fontRef>
+        </p:style>
+        <p:txBody>
+          <a:bodyPr rtlCol="0" anchor="ctr"/>
+          <a:lstStyle/>
+          <a:p>
+            <a:pPr algn="ctr"/>
+            <a:r>
+              <a:rPr lang="en-US" b="1" dirty="0"/>
+              <a:t>Supervised</a:t>
+            </a:r>
+            <a:br>
+              <a:rPr lang="en-US" dirty="0"/>
+            </a:br>
+            <a:r>
+              <a:rPr lang="en-US" dirty="0"/>
+              <a:t>Random Forest, etc.</a:t>
             </a:r>
           </a:p>
         </p:txBody>
